--- a/PPT/2D 게임프로그래밍 최종 발표.pptx
+++ b/PPT/2D 게임프로그래밍 최종 발표.pptx
@@ -3692,7 +3692,7 @@
             <p:ph idx="1"/>
             <p:extLst>
               <p:ext uri="{D42A27DB-BD31-4B8C-83A1-F6EECF244321}">
-                <p14:modId xmlns:p14="http://schemas.microsoft.com/office/powerpoint/2010/main" val="2399826240"/>
+                <p14:modId xmlns:p14="http://schemas.microsoft.com/office/powerpoint/2010/main" val="805504440"/>
               </p:ext>
             </p:extLst>
           </p:nvPr>
@@ -4959,11 +4959,25 @@
                         <a:t>스프라이트를</a:t>
                       </a:r>
                       <a:r>
+                        <a:rPr lang="ko-KR" altLang="en-US" sz="1100" b="0" smtClean="0">
+                          <a:latin typeface="HY견고딕" pitchFamily="18" charset="-127"/>
+                          <a:ea typeface="HY견고딕" pitchFamily="18" charset="-127"/>
+                        </a:rPr>
+                        <a:t> </a:t>
+                      </a:r>
+                      <a:r>
+                        <a:rPr lang="ko-KR" altLang="en-US" sz="1100" b="0" smtClean="0">
+                          <a:latin typeface="HY견고딕" pitchFamily="18" charset="-127"/>
+                          <a:ea typeface="HY견고딕" pitchFamily="18" charset="-127"/>
+                        </a:rPr>
+                        <a:t>제작하여 </a:t>
+                      </a:r>
+                      <a:r>
                         <a:rPr lang="ko-KR" altLang="en-US" sz="1100" b="0" dirty="0" smtClean="0">
                           <a:latin typeface="HY견고딕" pitchFamily="18" charset="-127"/>
                           <a:ea typeface="HY견고딕" pitchFamily="18" charset="-127"/>
                         </a:rPr>
-                        <a:t> 이용하여 구현</a:t>
+                        <a:t>구현</a:t>
                       </a:r>
                       <a:endParaRPr lang="en-US" altLang="ko-KR" sz="1100" b="0" dirty="0" smtClean="0">
                         <a:latin typeface="HY견고딕" pitchFamily="18" charset="-127"/>
